--- a/WalkInDeck.pptx
+++ b/WalkInDeck.pptx
@@ -9,6 +9,7 @@
     <p:sldId id="257" r:id="rId3"/>
     <p:sldId id="259" r:id="rId4"/>
     <p:sldId id="260" r:id="rId5"/>
+    <p:sldId id="262" r:id="rId6"/>
   </p:sldIdLst>
   <p:sldSz cx="12192000" cy="6858000"/>
   <p:notesSz cx="6858000" cy="9144000"/>
@@ -107,6 +108,11 @@
       </a:defRPr>
     </a:lvl9pPr>
   </p:defaultTextStyle>
+  <p:extLst>
+    <p:ext uri="{EFAFB233-063F-42B5-8137-9DF3F51BA10A}">
+      <p15:sldGuideLst xmlns:p15="http://schemas.microsoft.com/office/powerpoint/2012/main"/>
+    </p:ext>
+  </p:extLst>
 </p:presentation>
 </file>
 
@@ -970,13 +976,13 @@
   <p:clrMapOvr>
     <a:masterClrMapping/>
   </p:clrMapOvr>
-  <mc:AlternateContent xmlns:mc="http://schemas.openxmlformats.org/markup-compatibility/2006">
-    <mc:Choice xmlns:p14="http://schemas.microsoft.com/office/powerpoint/2010/main" Requires="p14">
+  <mc:AlternateContent xmlns:mc="http://schemas.openxmlformats.org/markup-compatibility/2006" xmlns:p14="http://schemas.microsoft.com/office/powerpoint/2010/main">
+    <mc:Choice Requires="p14">
       <p:transition spd="med" p14:dur="700">
         <p:fade/>
       </p:transition>
     </mc:Choice>
-    <mc:Fallback>
+    <mc:Fallback xmlns="">
       <p:transition spd="med">
         <p:fade/>
       </p:transition>
@@ -1774,13 +1780,13 @@
   <p:clrMapOvr>
     <a:overrideClrMapping bg1="dk1" tx1="lt1" bg2="dk2" tx2="lt2" accent1="accent1" accent2="accent2" accent3="accent3" accent4="accent4" accent5="accent5" accent6="accent6" hlink="hlink" folHlink="folHlink"/>
   </p:clrMapOvr>
-  <mc:AlternateContent xmlns:mc="http://schemas.openxmlformats.org/markup-compatibility/2006">
-    <mc:Choice xmlns:p14="http://schemas.microsoft.com/office/powerpoint/2010/main" Requires="p14">
+  <mc:AlternateContent xmlns:mc="http://schemas.openxmlformats.org/markup-compatibility/2006" xmlns:p14="http://schemas.microsoft.com/office/powerpoint/2010/main">
+    <mc:Choice Requires="p14">
       <p:transition spd="slow" p14:dur="3400">
         <p14:reveal/>
       </p:transition>
     </mc:Choice>
-    <mc:Fallback>
+    <mc:Fallback xmlns="">
       <p:transition spd="slow">
         <p:fade/>
       </p:transition>
@@ -1796,22 +1802,22 @@
   <p:extLst mod="1">
     <p:ext uri="{DCECCB84-F9BA-43D5-87BE-67443E8EF086}">
       <p15:sldGuideLst xmlns:p15="http://schemas.microsoft.com/office/powerpoint/2012/main">
-        <p15:guide id="4294967295" orient="horz" pos="302">
+        <p15:guide id="1" orient="horz" pos="302">
           <p15:clr>
             <a:srgbClr val="C35EA4"/>
           </p15:clr>
         </p15:guide>
-        <p15:guide id="4294967295" orient="horz" pos="4104">
+        <p15:guide id="2" orient="horz" pos="4104">
           <p15:clr>
             <a:srgbClr val="C35EA4"/>
           </p15:clr>
         </p15:guide>
-        <p15:guide id="4294967295" pos="288">
+        <p15:guide id="3" pos="288">
           <p15:clr>
             <a:srgbClr val="C35EA4"/>
           </p15:clr>
         </p15:guide>
-        <p15:guide id="4294967295" pos="7546">
+        <p15:guide id="4" pos="7546">
           <p15:clr>
             <a:srgbClr val="C35EA4"/>
           </p15:clr>
@@ -1917,13 +1923,13 @@
   <p:clrMapOvr>
     <a:masterClrMapping/>
   </p:clrMapOvr>
-  <mc:AlternateContent xmlns:mc="http://schemas.openxmlformats.org/markup-compatibility/2006">
-    <mc:Choice xmlns:p14="http://schemas.microsoft.com/office/powerpoint/2010/main" Requires="p14">
+  <mc:AlternateContent xmlns:mc="http://schemas.openxmlformats.org/markup-compatibility/2006" xmlns:p14="http://schemas.microsoft.com/office/powerpoint/2010/main">
+    <mc:Choice Requires="p14">
       <p:transition spd="med" p14:dur="700">
         <p:fade/>
       </p:transition>
     </mc:Choice>
-    <mc:Fallback>
+    <mc:Fallback xmlns="">
       <p:transition spd="med">
         <p:fade/>
       </p:transition>
@@ -1959,13 +1965,13 @@
   <p:clrMapOvr>
     <a:masterClrMapping/>
   </p:clrMapOvr>
-  <mc:AlternateContent xmlns:mc="http://schemas.openxmlformats.org/markup-compatibility/2006">
-    <mc:Choice xmlns:p14="http://schemas.microsoft.com/office/powerpoint/2010/main" Requires="p14">
+  <mc:AlternateContent xmlns:mc="http://schemas.openxmlformats.org/markup-compatibility/2006" xmlns:p14="http://schemas.microsoft.com/office/powerpoint/2010/main">
+    <mc:Choice Requires="p14">
       <p:transition spd="med" p14:dur="700">
         <p:fade/>
       </p:transition>
     </mc:Choice>
-    <mc:Fallback>
+    <mc:Fallback xmlns="">
       <p:transition spd="med">
         <p:fade/>
       </p:transition>
@@ -3992,6 +3998,14 @@
   <p:clrMapOvr>
     <a:masterClrMapping/>
   </p:clrMapOvr>
+  <mc:AlternateContent xmlns:mc="http://schemas.openxmlformats.org/markup-compatibility/2006">
+    <mc:Choice xmlns:p14="http://schemas.microsoft.com/office/powerpoint/2010/main" Requires="p14">
+      <p:transition spd="slow" p14:dur="2000" advTm="15000"/>
+    </mc:Choice>
+    <mc:Fallback>
+      <p:transition spd="slow" advTm="15000"/>
+    </mc:Fallback>
+  </mc:AlternateContent>
   <p:timing>
     <p:tnLst>
       <p:par>
@@ -5556,6 +5570,14 @@
   <p:clrMapOvr>
     <a:masterClrMapping/>
   </p:clrMapOvr>
+  <mc:AlternateContent xmlns:mc="http://schemas.openxmlformats.org/markup-compatibility/2006">
+    <mc:Choice xmlns:p14="http://schemas.microsoft.com/office/powerpoint/2010/main" Requires="p14">
+      <p:transition spd="slow" p14:dur="2000" advTm="15000"/>
+    </mc:Choice>
+    <mc:Fallback>
+      <p:transition spd="slow" advTm="15000"/>
+    </mc:Fallback>
+  </mc:AlternateContent>
   <p:timing>
     <p:tnLst>
       <p:par>
@@ -6630,6 +6652,14 @@
   <p:clrMapOvr>
     <a:masterClrMapping/>
   </p:clrMapOvr>
+  <mc:AlternateContent xmlns:mc="http://schemas.openxmlformats.org/markup-compatibility/2006">
+    <mc:Choice xmlns:p14="http://schemas.microsoft.com/office/powerpoint/2010/main" Requires="p14">
+      <p:transition spd="slow" p14:dur="2000" advTm="15000"/>
+    </mc:Choice>
+    <mc:Fallback>
+      <p:transition spd="slow" advTm="15000"/>
+    </mc:Fallback>
+  </mc:AlternateContent>
   <p:timing>
     <p:tnLst>
       <p:par>
@@ -7721,6 +7751,1108 @@
   <p:clrMapOvr>
     <a:masterClrMapping/>
   </p:clrMapOvr>
+  <mc:AlternateContent xmlns:mc="http://schemas.openxmlformats.org/markup-compatibility/2006">
+    <mc:Choice xmlns:p14="http://schemas.microsoft.com/office/powerpoint/2010/main" Requires="p14">
+      <p:transition spd="slow" p14:dur="2000" advTm="15000"/>
+    </mc:Choice>
+    <mc:Fallback>
+      <p:transition spd="slow" advTm="15000"/>
+    </mc:Fallback>
+  </mc:AlternateContent>
+  <p:timing>
+    <p:tnLst>
+      <p:par>
+        <p:cTn id="1" dur="indefinite" restart="never" nodeType="tmRoot">
+          <p:childTnLst>
+            <p:seq concurrent="1" nextAc="seek">
+              <p:cTn id="2" dur="indefinite" nodeType="mainSeq">
+                <p:childTnLst>
+                  <p:par>
+                    <p:cTn id="3" fill="hold">
+                      <p:stCondLst>
+                        <p:cond delay="indefinite"/>
+                        <p:cond evt="onBegin" delay="0">
+                          <p:tn val="2"/>
+                        </p:cond>
+                      </p:stCondLst>
+                      <p:childTnLst>
+                        <p:par>
+                          <p:cTn id="4" fill="hold">
+                            <p:stCondLst>
+                              <p:cond delay="0"/>
+                            </p:stCondLst>
+                            <p:childTnLst>
+                              <p:par>
+                                <p:cTn id="5" presetID="42" presetClass="entr" presetSubtype="0" fill="hold" grpId="0" nodeType="afterEffect">
+                                  <p:stCondLst>
+                                    <p:cond delay="0"/>
+                                  </p:stCondLst>
+                                  <p:childTnLst>
+                                    <p:set>
+                                      <p:cBhvr>
+                                        <p:cTn id="6" dur="1" fill="hold">
+                                          <p:stCondLst>
+                                            <p:cond delay="0"/>
+                                          </p:stCondLst>
+                                        </p:cTn>
+                                        <p:tgtEl>
+                                          <p:spTgt spid="12"/>
+                                        </p:tgtEl>
+                                        <p:attrNameLst>
+                                          <p:attrName>style.visibility</p:attrName>
+                                        </p:attrNameLst>
+                                      </p:cBhvr>
+                                      <p:to>
+                                        <p:strVal val="visible"/>
+                                      </p:to>
+                                    </p:set>
+                                    <p:animEffect transition="in" filter="fade">
+                                      <p:cBhvr>
+                                        <p:cTn id="7" dur="1000"/>
+                                        <p:tgtEl>
+                                          <p:spTgt spid="12"/>
+                                        </p:tgtEl>
+                                      </p:cBhvr>
+                                    </p:animEffect>
+                                    <p:anim calcmode="lin" valueType="num">
+                                      <p:cBhvr>
+                                        <p:cTn id="8" dur="1000" fill="hold"/>
+                                        <p:tgtEl>
+                                          <p:spTgt spid="12"/>
+                                        </p:tgtEl>
+                                        <p:attrNameLst>
+                                          <p:attrName>ppt_x</p:attrName>
+                                        </p:attrNameLst>
+                                      </p:cBhvr>
+                                      <p:tavLst>
+                                        <p:tav tm="0">
+                                          <p:val>
+                                            <p:strVal val="#ppt_x"/>
+                                          </p:val>
+                                        </p:tav>
+                                        <p:tav tm="100000">
+                                          <p:val>
+                                            <p:strVal val="#ppt_x"/>
+                                          </p:val>
+                                        </p:tav>
+                                      </p:tavLst>
+                                    </p:anim>
+                                    <p:anim calcmode="lin" valueType="num">
+                                      <p:cBhvr>
+                                        <p:cTn id="9" dur="1000" fill="hold"/>
+                                        <p:tgtEl>
+                                          <p:spTgt spid="12"/>
+                                        </p:tgtEl>
+                                        <p:attrNameLst>
+                                          <p:attrName>ppt_y</p:attrName>
+                                        </p:attrNameLst>
+                                      </p:cBhvr>
+                                      <p:tavLst>
+                                        <p:tav tm="0">
+                                          <p:val>
+                                            <p:strVal val="#ppt_y+.1"/>
+                                          </p:val>
+                                        </p:tav>
+                                        <p:tav tm="100000">
+                                          <p:val>
+                                            <p:strVal val="#ppt_y"/>
+                                          </p:val>
+                                        </p:tav>
+                                      </p:tavLst>
+                                    </p:anim>
+                                  </p:childTnLst>
+                                </p:cTn>
+                              </p:par>
+                              <p:par>
+                                <p:cTn id="10" presetID="42" presetClass="entr" presetSubtype="0" fill="hold" grpId="0" nodeType="withEffect">
+                                  <p:stCondLst>
+                                    <p:cond delay="1000"/>
+                                  </p:stCondLst>
+                                  <p:childTnLst>
+                                    <p:set>
+                                      <p:cBhvr>
+                                        <p:cTn id="11" dur="1" fill="hold">
+                                          <p:stCondLst>
+                                            <p:cond delay="0"/>
+                                          </p:stCondLst>
+                                        </p:cTn>
+                                        <p:tgtEl>
+                                          <p:spTgt spid="11"/>
+                                        </p:tgtEl>
+                                        <p:attrNameLst>
+                                          <p:attrName>style.visibility</p:attrName>
+                                        </p:attrNameLst>
+                                      </p:cBhvr>
+                                      <p:to>
+                                        <p:strVal val="visible"/>
+                                      </p:to>
+                                    </p:set>
+                                    <p:animEffect transition="in" filter="fade">
+                                      <p:cBhvr>
+                                        <p:cTn id="12" dur="1000"/>
+                                        <p:tgtEl>
+                                          <p:spTgt spid="11"/>
+                                        </p:tgtEl>
+                                      </p:cBhvr>
+                                    </p:animEffect>
+                                    <p:anim calcmode="lin" valueType="num">
+                                      <p:cBhvr>
+                                        <p:cTn id="13" dur="1000" fill="hold"/>
+                                        <p:tgtEl>
+                                          <p:spTgt spid="11"/>
+                                        </p:tgtEl>
+                                        <p:attrNameLst>
+                                          <p:attrName>ppt_x</p:attrName>
+                                        </p:attrNameLst>
+                                      </p:cBhvr>
+                                      <p:tavLst>
+                                        <p:tav tm="0">
+                                          <p:val>
+                                            <p:strVal val="#ppt_x"/>
+                                          </p:val>
+                                        </p:tav>
+                                        <p:tav tm="100000">
+                                          <p:val>
+                                            <p:strVal val="#ppt_x"/>
+                                          </p:val>
+                                        </p:tav>
+                                      </p:tavLst>
+                                    </p:anim>
+                                    <p:anim calcmode="lin" valueType="num">
+                                      <p:cBhvr>
+                                        <p:cTn id="14" dur="1000" fill="hold"/>
+                                        <p:tgtEl>
+                                          <p:spTgt spid="11"/>
+                                        </p:tgtEl>
+                                        <p:attrNameLst>
+                                          <p:attrName>ppt_y</p:attrName>
+                                        </p:attrNameLst>
+                                      </p:cBhvr>
+                                      <p:tavLst>
+                                        <p:tav tm="0">
+                                          <p:val>
+                                            <p:strVal val="#ppt_y+.1"/>
+                                          </p:val>
+                                        </p:tav>
+                                        <p:tav tm="100000">
+                                          <p:val>
+                                            <p:strVal val="#ppt_y"/>
+                                          </p:val>
+                                        </p:tav>
+                                      </p:tavLst>
+                                    </p:anim>
+                                  </p:childTnLst>
+                                </p:cTn>
+                              </p:par>
+                            </p:childTnLst>
+                          </p:cTn>
+                        </p:par>
+                      </p:childTnLst>
+                    </p:cTn>
+                  </p:par>
+                </p:childTnLst>
+              </p:cTn>
+              <p:prevCondLst>
+                <p:cond evt="onPrev" delay="0">
+                  <p:tgtEl>
+                    <p:sldTgt/>
+                  </p:tgtEl>
+                </p:cond>
+              </p:prevCondLst>
+              <p:nextCondLst>
+                <p:cond evt="onNext" delay="0">
+                  <p:tgtEl>
+                    <p:sldTgt/>
+                  </p:tgtEl>
+                </p:cond>
+              </p:nextCondLst>
+            </p:seq>
+          </p:childTnLst>
+        </p:cTn>
+      </p:par>
+    </p:tnLst>
+    <p:bldLst>
+      <p:bldP spid="11" grpId="0" animBg="1"/>
+      <p:bldP spid="12" grpId="0" animBg="1"/>
+    </p:bldLst>
+  </p:timing>
+</p:sld>
+</file>
+
+<file path=ppt/slides/slide5.xml><?xml version="1.0" encoding="utf-8"?>
+<p:sld xmlns:a="http://schemas.openxmlformats.org/drawingml/2006/main" xmlns:r="http://schemas.openxmlformats.org/officeDocument/2006/relationships" xmlns:p="http://schemas.openxmlformats.org/presentationml/2006/main">
+  <p:cSld>
+    <p:spTree>
+      <p:nvGrpSpPr>
+        <p:cNvPr id="1" name=""/>
+        <p:cNvGrpSpPr/>
+        <p:nvPr/>
+      </p:nvGrpSpPr>
+      <p:grpSpPr>
+        <a:xfrm>
+          <a:off x="0" y="0"/>
+          <a:ext cx="0" cy="0"/>
+          <a:chOff x="0" y="0"/>
+          <a:chExt cx="0" cy="0"/>
+        </a:xfrm>
+      </p:grpSpPr>
+      <p:sp>
+        <p:nvSpPr>
+          <p:cNvPr id="11" name="Freeform 10"/>
+          <p:cNvSpPr/>
+          <p:nvPr/>
+        </p:nvSpPr>
+        <p:spPr bwMode="auto">
+          <a:xfrm flipH="1">
+            <a:off x="0" y="1733007"/>
+            <a:ext cx="12516832" cy="4726310"/>
+          </a:xfrm>
+          <a:custGeom>
+            <a:avLst/>
+            <a:gdLst>
+              <a:gd name="connsiteX0" fmla="*/ 6344670 w 17221200"/>
+              <a:gd name="connsiteY0" fmla="*/ 0 h 6502662"/>
+              <a:gd name="connsiteX1" fmla="*/ 8044445 w 17221200"/>
+              <a:gd name="connsiteY1" fmla="*/ 1250537 h 6502662"/>
+              <a:gd name="connsiteX2" fmla="*/ 8067523 w 17221200"/>
+              <a:gd name="connsiteY2" fmla="*/ 1340287 h 6502662"/>
+              <a:gd name="connsiteX3" fmla="*/ 8085624 w 17221200"/>
+              <a:gd name="connsiteY3" fmla="*/ 1331634 h 6502662"/>
+              <a:gd name="connsiteX4" fmla="*/ 9129300 w 17221200"/>
+              <a:gd name="connsiteY4" fmla="*/ 1117600 h 6502662"/>
+              <a:gd name="connsiteX5" fmla="*/ 9399558 w 17221200"/>
+              <a:gd name="connsiteY5" fmla="*/ 1131247 h 6502662"/>
+              <a:gd name="connsiteX6" fmla="*/ 9457105 w 17221200"/>
+              <a:gd name="connsiteY6" fmla="*/ 1140030 h 6502662"/>
+              <a:gd name="connsiteX7" fmla="*/ 9479224 w 17221200"/>
+              <a:gd name="connsiteY7" fmla="*/ 1068773 h 6502662"/>
+              <a:gd name="connsiteX8" fmla="*/ 10173771 w 17221200"/>
+              <a:gd name="connsiteY8" fmla="*/ 608396 h 6502662"/>
+              <a:gd name="connsiteX9" fmla="*/ 10706776 w 17221200"/>
+              <a:gd name="connsiteY9" fmla="*/ 829174 h 6502662"/>
+              <a:gd name="connsiteX10" fmla="*/ 10718548 w 17221200"/>
+              <a:gd name="connsiteY10" fmla="*/ 843442 h 6502662"/>
+              <a:gd name="connsiteX11" fmla="*/ 10806869 w 17221200"/>
+              <a:gd name="connsiteY11" fmla="*/ 767854 h 6502662"/>
+              <a:gd name="connsiteX12" fmla="*/ 12463627 w 17221200"/>
+              <a:gd name="connsiteY12" fmla="*/ 184318 h 6502662"/>
+              <a:gd name="connsiteX13" fmla="*/ 14503294 w 17221200"/>
+              <a:gd name="connsiteY13" fmla="*/ 1146219 h 6502662"/>
+              <a:gd name="connsiteX14" fmla="*/ 14639898 w 17221200"/>
+              <a:gd name="connsiteY14" fmla="*/ 1328897 h 6502662"/>
+              <a:gd name="connsiteX15" fmla="*/ 14695193 w 17221200"/>
+              <a:gd name="connsiteY15" fmla="*/ 1302259 h 6502662"/>
+              <a:gd name="connsiteX16" fmla="*/ 15396527 w 17221200"/>
+              <a:gd name="connsiteY16" fmla="*/ 1160666 h 6502662"/>
+              <a:gd name="connsiteX17" fmla="*/ 17161700 w 17221200"/>
+              <a:gd name="connsiteY17" fmla="*/ 2599325 h 6502662"/>
+              <a:gd name="connsiteX18" fmla="*/ 17183068 w 17221200"/>
+              <a:gd name="connsiteY18" fmla="*/ 2811291 h 6502662"/>
+              <a:gd name="connsiteX19" fmla="*/ 17198306 w 17221200"/>
+              <a:gd name="connsiteY19" fmla="*/ 2811291 h 6502662"/>
+              <a:gd name="connsiteX20" fmla="*/ 17198306 w 17221200"/>
+              <a:gd name="connsiteY20" fmla="*/ 2962446 h 6502662"/>
+              <a:gd name="connsiteX21" fmla="*/ 17198306 w 17221200"/>
+              <a:gd name="connsiteY21" fmla="*/ 4046706 h 6502662"/>
+              <a:gd name="connsiteX22" fmla="*/ 17221200 w 17221200"/>
+              <a:gd name="connsiteY22" fmla="*/ 4046706 h 6502662"/>
+              <a:gd name="connsiteX23" fmla="*/ 17221200 w 17221200"/>
+              <a:gd name="connsiteY23" fmla="*/ 6502662 h 6502662"/>
+              <a:gd name="connsiteX24" fmla="*/ 17198306 w 17221200"/>
+              <a:gd name="connsiteY24" fmla="*/ 6502662 h 6502662"/>
+              <a:gd name="connsiteX25" fmla="*/ 11368772 w 17221200"/>
+              <a:gd name="connsiteY25" fmla="*/ 6502662 h 6502662"/>
+              <a:gd name="connsiteX26" fmla="*/ 1 w 17221200"/>
+              <a:gd name="connsiteY26" fmla="*/ 6502662 h 6502662"/>
+              <a:gd name="connsiteX27" fmla="*/ 1 w 17221200"/>
+              <a:gd name="connsiteY27" fmla="*/ 4085110 h 6502662"/>
+              <a:gd name="connsiteX28" fmla="*/ 0 w 17221200"/>
+              <a:gd name="connsiteY28" fmla="*/ 4085107 h 6502662"/>
+              <a:gd name="connsiteX29" fmla="*/ 1 w 17221200"/>
+              <a:gd name="connsiteY29" fmla="*/ 4085105 h 6502662"/>
+              <a:gd name="connsiteX30" fmla="*/ 1 w 17221200"/>
+              <a:gd name="connsiteY30" fmla="*/ 4046706 h 6502662"/>
+              <a:gd name="connsiteX31" fmla="*/ 3872 w 17221200"/>
+              <a:gd name="connsiteY31" fmla="*/ 4046706 h 6502662"/>
+              <a:gd name="connsiteX32" fmla="*/ 30079 w 17221200"/>
+              <a:gd name="connsiteY32" fmla="*/ 3786736 h 6502662"/>
+              <a:gd name="connsiteX33" fmla="*/ 1480493 w 17221200"/>
+              <a:gd name="connsiteY33" fmla="*/ 2604614 h 6502662"/>
+              <a:gd name="connsiteX34" fmla="*/ 1631865 w 17221200"/>
+              <a:gd name="connsiteY34" fmla="*/ 2612258 h 6502662"/>
+              <a:gd name="connsiteX35" fmla="*/ 1676770 w 17221200"/>
+              <a:gd name="connsiteY35" fmla="*/ 2619111 h 6502662"/>
+              <a:gd name="connsiteX36" fmla="*/ 1714754 w 17221200"/>
+              <a:gd name="connsiteY36" fmla="*/ 2540261 h 6502662"/>
+              <a:gd name="connsiteX37" fmla="*/ 4032720 w 17221200"/>
+              <a:gd name="connsiteY37" fmla="*/ 1160665 h 6502662"/>
+              <a:gd name="connsiteX38" fmla="*/ 4466836 w 17221200"/>
+              <a:gd name="connsiteY38" fmla="*/ 1196240 h 6502662"/>
+              <a:gd name="connsiteX39" fmla="*/ 4650778 w 17221200"/>
+              <a:gd name="connsiteY39" fmla="*/ 1234460 h 6502662"/>
+              <a:gd name="connsiteX40" fmla="*/ 4704742 w 17221200"/>
+              <a:gd name="connsiteY40" fmla="*/ 1087017 h 6502662"/>
+              <a:gd name="connsiteX41" fmla="*/ 6344670 w 17221200"/>
+              <a:gd name="connsiteY41" fmla="*/ 0 h 6502662"/>
+            </a:gdLst>
+            <a:ahLst/>
+            <a:cxnLst>
+              <a:cxn ang="0">
+                <a:pos x="connsiteX0" y="connsiteY0"/>
+              </a:cxn>
+              <a:cxn ang="0">
+                <a:pos x="connsiteX1" y="connsiteY1"/>
+              </a:cxn>
+              <a:cxn ang="0">
+                <a:pos x="connsiteX2" y="connsiteY2"/>
+              </a:cxn>
+              <a:cxn ang="0">
+                <a:pos x="connsiteX3" y="connsiteY3"/>
+              </a:cxn>
+              <a:cxn ang="0">
+                <a:pos x="connsiteX4" y="connsiteY4"/>
+              </a:cxn>
+              <a:cxn ang="0">
+                <a:pos x="connsiteX5" y="connsiteY5"/>
+              </a:cxn>
+              <a:cxn ang="0">
+                <a:pos x="connsiteX6" y="connsiteY6"/>
+              </a:cxn>
+              <a:cxn ang="0">
+                <a:pos x="connsiteX7" y="connsiteY7"/>
+              </a:cxn>
+              <a:cxn ang="0">
+                <a:pos x="connsiteX8" y="connsiteY8"/>
+              </a:cxn>
+              <a:cxn ang="0">
+                <a:pos x="connsiteX9" y="connsiteY9"/>
+              </a:cxn>
+              <a:cxn ang="0">
+                <a:pos x="connsiteX10" y="connsiteY10"/>
+              </a:cxn>
+              <a:cxn ang="0">
+                <a:pos x="connsiteX11" y="connsiteY11"/>
+              </a:cxn>
+              <a:cxn ang="0">
+                <a:pos x="connsiteX12" y="connsiteY12"/>
+              </a:cxn>
+              <a:cxn ang="0">
+                <a:pos x="connsiteX13" y="connsiteY13"/>
+              </a:cxn>
+              <a:cxn ang="0">
+                <a:pos x="connsiteX14" y="connsiteY14"/>
+              </a:cxn>
+              <a:cxn ang="0">
+                <a:pos x="connsiteX15" y="connsiteY15"/>
+              </a:cxn>
+              <a:cxn ang="0">
+                <a:pos x="connsiteX16" y="connsiteY16"/>
+              </a:cxn>
+              <a:cxn ang="0">
+                <a:pos x="connsiteX17" y="connsiteY17"/>
+              </a:cxn>
+              <a:cxn ang="0">
+                <a:pos x="connsiteX18" y="connsiteY18"/>
+              </a:cxn>
+              <a:cxn ang="0">
+                <a:pos x="connsiteX19" y="connsiteY19"/>
+              </a:cxn>
+              <a:cxn ang="0">
+                <a:pos x="connsiteX20" y="connsiteY20"/>
+              </a:cxn>
+              <a:cxn ang="0">
+                <a:pos x="connsiteX21" y="connsiteY21"/>
+              </a:cxn>
+              <a:cxn ang="0">
+                <a:pos x="connsiteX22" y="connsiteY22"/>
+              </a:cxn>
+              <a:cxn ang="0">
+                <a:pos x="connsiteX23" y="connsiteY23"/>
+              </a:cxn>
+              <a:cxn ang="0">
+                <a:pos x="connsiteX24" y="connsiteY24"/>
+              </a:cxn>
+              <a:cxn ang="0">
+                <a:pos x="connsiteX25" y="connsiteY25"/>
+              </a:cxn>
+              <a:cxn ang="0">
+                <a:pos x="connsiteX26" y="connsiteY26"/>
+              </a:cxn>
+              <a:cxn ang="0">
+                <a:pos x="connsiteX27" y="connsiteY27"/>
+              </a:cxn>
+              <a:cxn ang="0">
+                <a:pos x="connsiteX28" y="connsiteY28"/>
+              </a:cxn>
+              <a:cxn ang="0">
+                <a:pos x="connsiteX29" y="connsiteY29"/>
+              </a:cxn>
+              <a:cxn ang="0">
+                <a:pos x="connsiteX30" y="connsiteY30"/>
+              </a:cxn>
+              <a:cxn ang="0">
+                <a:pos x="connsiteX31" y="connsiteY31"/>
+              </a:cxn>
+              <a:cxn ang="0">
+                <a:pos x="connsiteX32" y="connsiteY32"/>
+              </a:cxn>
+              <a:cxn ang="0">
+                <a:pos x="connsiteX33" y="connsiteY33"/>
+              </a:cxn>
+              <a:cxn ang="0">
+                <a:pos x="connsiteX34" y="connsiteY34"/>
+              </a:cxn>
+              <a:cxn ang="0">
+                <a:pos x="connsiteX35" y="connsiteY35"/>
+              </a:cxn>
+              <a:cxn ang="0">
+                <a:pos x="connsiteX36" y="connsiteY36"/>
+              </a:cxn>
+              <a:cxn ang="0">
+                <a:pos x="connsiteX37" y="connsiteY37"/>
+              </a:cxn>
+              <a:cxn ang="0">
+                <a:pos x="connsiteX38" y="connsiteY38"/>
+              </a:cxn>
+              <a:cxn ang="0">
+                <a:pos x="connsiteX39" y="connsiteY39"/>
+              </a:cxn>
+              <a:cxn ang="0">
+                <a:pos x="connsiteX40" y="connsiteY40"/>
+              </a:cxn>
+              <a:cxn ang="0">
+                <a:pos x="connsiteX41" y="connsiteY41"/>
+              </a:cxn>
+            </a:cxnLst>
+            <a:rect l="l" t="t" r="r" b="b"/>
+            <a:pathLst>
+              <a:path w="17221200" h="6502662">
+                <a:moveTo>
+                  <a:pt x="6344670" y="0"/>
+                </a:moveTo>
+                <a:cubicBezTo>
+                  <a:pt x="7143317" y="0"/>
+                  <a:pt x="7819103" y="526039"/>
+                  <a:pt x="8044445" y="1250537"/>
+                </a:cubicBezTo>
+                <a:lnTo>
+                  <a:pt x="8067523" y="1340287"/>
+                </a:lnTo>
+                <a:lnTo>
+                  <a:pt x="8085624" y="1331634"/>
+                </a:lnTo>
+                <a:cubicBezTo>
+                  <a:pt x="8405799" y="1193894"/>
+                  <a:pt x="8758640" y="1117600"/>
+                  <a:pt x="9129300" y="1117600"/>
+                </a:cubicBezTo>
+                <a:cubicBezTo>
+                  <a:pt x="9220540" y="1117600"/>
+                  <a:pt x="9310699" y="1122223"/>
+                  <a:pt x="9399558" y="1131247"/>
+                </a:cubicBezTo>
+                <a:lnTo>
+                  <a:pt x="9457105" y="1140030"/>
+                </a:lnTo>
+                <a:lnTo>
+                  <a:pt x="9479224" y="1068773"/>
+                </a:lnTo>
+                <a:cubicBezTo>
+                  <a:pt x="9593655" y="798229"/>
+                  <a:pt x="9861544" y="608396"/>
+                  <a:pt x="10173771" y="608396"/>
+                </a:cubicBezTo>
+                <a:cubicBezTo>
+                  <a:pt x="10381922" y="608396"/>
+                  <a:pt x="10570368" y="692766"/>
+                  <a:pt x="10706776" y="829174"/>
+                </a:cubicBezTo>
+                <a:lnTo>
+                  <a:pt x="10718548" y="843442"/>
+                </a:lnTo>
+                <a:lnTo>
+                  <a:pt x="10806869" y="767854"/>
+                </a:lnTo>
+                <a:cubicBezTo>
+                  <a:pt x="11260117" y="402816"/>
+                  <a:pt x="11836355" y="184318"/>
+                  <a:pt x="12463627" y="184318"/>
+                </a:cubicBezTo>
+                <a:cubicBezTo>
+                  <a:pt x="13284783" y="184318"/>
+                  <a:pt x="14018482" y="558762"/>
+                  <a:pt x="14503294" y="1146219"/>
+                </a:cubicBezTo>
+                <a:lnTo>
+                  <a:pt x="14639898" y="1328897"/>
+                </a:lnTo>
+                <a:lnTo>
+                  <a:pt x="14695193" y="1302259"/>
+                </a:lnTo>
+                <a:cubicBezTo>
+                  <a:pt x="14910755" y="1211084"/>
+                  <a:pt x="15147753" y="1160666"/>
+                  <a:pt x="15396527" y="1160666"/>
+                </a:cubicBezTo>
+                <a:cubicBezTo>
+                  <a:pt x="16267235" y="1160666"/>
+                  <a:pt x="16993691" y="1778284"/>
+                  <a:pt x="17161700" y="2599325"/>
+                </a:cubicBezTo>
+                <a:lnTo>
+                  <a:pt x="17183068" y="2811291"/>
+                </a:lnTo>
+                <a:lnTo>
+                  <a:pt x="17198306" y="2811291"/>
+                </a:lnTo>
+                <a:lnTo>
+                  <a:pt x="17198306" y="2962446"/>
+                </a:lnTo>
+                <a:lnTo>
+                  <a:pt x="17198306" y="4046706"/>
+                </a:lnTo>
+                <a:lnTo>
+                  <a:pt x="17221200" y="4046706"/>
+                </a:lnTo>
+                <a:lnTo>
+                  <a:pt x="17221200" y="6502662"/>
+                </a:lnTo>
+                <a:lnTo>
+                  <a:pt x="17198306" y="6502662"/>
+                </a:lnTo>
+                <a:lnTo>
+                  <a:pt x="11368772" y="6502662"/>
+                </a:lnTo>
+                <a:lnTo>
+                  <a:pt x="1" y="6502662"/>
+                </a:lnTo>
+                <a:lnTo>
+                  <a:pt x="1" y="4085110"/>
+                </a:lnTo>
+                <a:lnTo>
+                  <a:pt x="0" y="4085107"/>
+                </a:lnTo>
+                <a:lnTo>
+                  <a:pt x="1" y="4085105"/>
+                </a:lnTo>
+                <a:lnTo>
+                  <a:pt x="1" y="4046706"/>
+                </a:lnTo>
+                <a:lnTo>
+                  <a:pt x="3872" y="4046706"/>
+                </a:lnTo>
+                <a:lnTo>
+                  <a:pt x="30079" y="3786736"/>
+                </a:lnTo>
+                <a:cubicBezTo>
+                  <a:pt x="168129" y="3112100"/>
+                  <a:pt x="765046" y="2604614"/>
+                  <a:pt x="1480493" y="2604614"/>
+                </a:cubicBezTo>
+                <a:cubicBezTo>
+                  <a:pt x="1531597" y="2604614"/>
+                  <a:pt x="1582095" y="2607203"/>
+                  <a:pt x="1631865" y="2612258"/>
+                </a:cubicBezTo>
+                <a:lnTo>
+                  <a:pt x="1676770" y="2619111"/>
+                </a:lnTo>
+                <a:lnTo>
+                  <a:pt x="1714754" y="2540261"/>
+                </a:lnTo>
+                <a:cubicBezTo>
+                  <a:pt x="2161155" y="1718512"/>
+                  <a:pt x="3031791" y="1160665"/>
+                  <a:pt x="4032720" y="1160665"/>
+                </a:cubicBezTo>
+                <a:cubicBezTo>
+                  <a:pt x="4180584" y="1160665"/>
+                  <a:pt x="4325605" y="1172839"/>
+                  <a:pt x="4466836" y="1196240"/>
+                </a:cubicBezTo>
+                <a:lnTo>
+                  <a:pt x="4650778" y="1234460"/>
+                </a:lnTo>
+                <a:lnTo>
+                  <a:pt x="4704742" y="1087017"/>
+                </a:lnTo>
+                <a:cubicBezTo>
+                  <a:pt x="4974929" y="448223"/>
+                  <a:pt x="5607455" y="0"/>
+                  <a:pt x="6344670" y="0"/>
+                </a:cubicBezTo>
+                <a:close/>
+              </a:path>
+            </a:pathLst>
+          </a:custGeom>
+          <a:solidFill>
+            <a:srgbClr val="007AD6">
+              <a:alpha val="50196"/>
+            </a:srgbClr>
+          </a:solidFill>
+          <a:ln>
+            <a:noFill/>
+            <a:headEnd type="none" w="med" len="med"/>
+            <a:tailEnd type="none" w="med" len="med"/>
+          </a:ln>
+          <a:effectLst/>
+        </p:spPr>
+        <p:style>
+          <a:lnRef idx="1">
+            <a:schemeClr val="accent2"/>
+          </a:lnRef>
+          <a:fillRef idx="3">
+            <a:schemeClr val="accent2"/>
+          </a:fillRef>
+          <a:effectRef idx="2">
+            <a:schemeClr val="accent2"/>
+          </a:effectRef>
+          <a:fontRef idx="minor">
+            <a:schemeClr val="lt1"/>
+          </a:fontRef>
+        </p:style>
+        <p:txBody>
+          <a:bodyPr rot="0" spcFirstLastPara="0" vertOverflow="overflow" horzOverflow="overflow" vert="horz" wrap="square" lIns="182880" tIns="146304" rIns="182880" bIns="146304" numCol="1" spcCol="0" rtlCol="0" fromWordArt="0" anchor="t" anchorCtr="0" forceAA="0" compatLnSpc="1">
+            <a:prstTxWarp prst="textNoShape">
+              <a:avLst/>
+            </a:prstTxWarp>
+            <a:noAutofit/>
+          </a:bodyPr>
+          <a:lstStyle/>
+          <a:p>
+            <a:pPr algn="ctr" defTabSz="932472" fontAlgn="base">
+              <a:lnSpc>
+                <a:spcPct val="90000"/>
+              </a:lnSpc>
+              <a:spcBef>
+                <a:spcPct val="0"/>
+              </a:spcBef>
+              <a:spcAft>
+                <a:spcPct val="0"/>
+              </a:spcAft>
+            </a:pPr>
+            <a:endParaRPr lang="en-US" sz="2400" dirty="0" err="1" smtClean="0">
+              <a:gradFill>
+                <a:gsLst>
+                  <a:gs pos="0">
+                    <a:srgbClr val="FFFFFF"/>
+                  </a:gs>
+                  <a:gs pos="100000">
+                    <a:srgbClr val="FFFFFF"/>
+                  </a:gs>
+                </a:gsLst>
+                <a:lin ang="5400000" scaled="0"/>
+              </a:gradFill>
+              <a:ea typeface="Segoe UI" pitchFamily="34" charset="0"/>
+              <a:cs typeface="Segoe UI" pitchFamily="34" charset="0"/>
+            </a:endParaRPr>
+          </a:p>
+        </p:txBody>
+      </p:sp>
+      <p:sp>
+        <p:nvSpPr>
+          <p:cNvPr id="12" name="Freeform 11"/>
+          <p:cNvSpPr/>
+          <p:nvPr/>
+        </p:nvSpPr>
+        <p:spPr bwMode="auto">
+          <a:xfrm flipH="1">
+            <a:off x="0" y="1600200"/>
+            <a:ext cx="12516832" cy="6635468"/>
+          </a:xfrm>
+          <a:custGeom>
+            <a:avLst/>
+            <a:gdLst>
+              <a:gd name="connsiteX0" fmla="*/ 5530285 w 12188825"/>
+              <a:gd name="connsiteY0" fmla="*/ 0 h 6461584"/>
+              <a:gd name="connsiteX1" fmla="*/ 7646699 w 12188825"/>
+              <a:gd name="connsiteY1" fmla="*/ 876648 h 6461584"/>
+              <a:gd name="connsiteX2" fmla="*/ 7748409 w 12188825"/>
+              <a:gd name="connsiteY2" fmla="*/ 988557 h 6461584"/>
+              <a:gd name="connsiteX3" fmla="*/ 7768773 w 12188825"/>
+              <a:gd name="connsiteY3" fmla="*/ 955036 h 6461584"/>
+              <a:gd name="connsiteX4" fmla="*/ 9111006 w 12188825"/>
+              <a:gd name="connsiteY4" fmla="*/ 241376 h 6461584"/>
+              <a:gd name="connsiteX5" fmla="*/ 10721327 w 12188825"/>
+              <a:gd name="connsiteY5" fmla="*/ 1694554 h 6461584"/>
+              <a:gd name="connsiteX6" fmla="*/ 10724292 w 12188825"/>
+              <a:gd name="connsiteY6" fmla="*/ 1753280 h 6461584"/>
+              <a:gd name="connsiteX7" fmla="*/ 10848489 w 12188825"/>
+              <a:gd name="connsiteY7" fmla="*/ 1737499 h 6461584"/>
+              <a:gd name="connsiteX8" fmla="*/ 11212985 w 12188825"/>
+              <a:gd name="connsiteY8" fmla="*/ 1719093 h 6461584"/>
+              <a:gd name="connsiteX9" fmla="*/ 12103923 w 12188825"/>
+              <a:gd name="connsiteY9" fmla="*/ 1831327 h 6461584"/>
+              <a:gd name="connsiteX10" fmla="*/ 12188825 w 12188825"/>
+              <a:gd name="connsiteY10" fmla="*/ 1855437 h 6461584"/>
+              <a:gd name="connsiteX11" fmla="*/ 12188825 w 12188825"/>
+              <a:gd name="connsiteY11" fmla="*/ 6461584 h 6461584"/>
+              <a:gd name="connsiteX12" fmla="*/ 0 w 12188825"/>
+              <a:gd name="connsiteY12" fmla="*/ 6461584 h 6461584"/>
+              <a:gd name="connsiteX13" fmla="*/ 0 w 12188825"/>
+              <a:gd name="connsiteY13" fmla="*/ 5963537 h 6461584"/>
+              <a:gd name="connsiteX14" fmla="*/ 0 w 12188825"/>
+              <a:gd name="connsiteY14" fmla="*/ 3291371 h 6461584"/>
+              <a:gd name="connsiteX15" fmla="*/ 40110 w 12188825"/>
+              <a:gd name="connsiteY15" fmla="*/ 3237732 h 6461584"/>
+              <a:gd name="connsiteX16" fmla="*/ 1725990 w 12188825"/>
+              <a:gd name="connsiteY16" fmla="*/ 2442676 h 6461584"/>
+              <a:gd name="connsiteX17" fmla="*/ 2375676 w 12188825"/>
+              <a:gd name="connsiteY17" fmla="*/ 2540900 h 6461584"/>
+              <a:gd name="connsiteX18" fmla="*/ 2564435 w 12188825"/>
+              <a:gd name="connsiteY18" fmla="*/ 2609986 h 6461584"/>
+              <a:gd name="connsiteX19" fmla="*/ 2598030 w 12188825"/>
+              <a:gd name="connsiteY19" fmla="*/ 2389857 h 6461584"/>
+              <a:gd name="connsiteX20" fmla="*/ 5530285 w 12188825"/>
+              <a:gd name="connsiteY20" fmla="*/ 0 h 6461584"/>
+            </a:gdLst>
+            <a:ahLst/>
+            <a:cxnLst>
+              <a:cxn ang="0">
+                <a:pos x="connsiteX0" y="connsiteY0"/>
+              </a:cxn>
+              <a:cxn ang="0">
+                <a:pos x="connsiteX1" y="connsiteY1"/>
+              </a:cxn>
+              <a:cxn ang="0">
+                <a:pos x="connsiteX2" y="connsiteY2"/>
+              </a:cxn>
+              <a:cxn ang="0">
+                <a:pos x="connsiteX3" y="connsiteY3"/>
+              </a:cxn>
+              <a:cxn ang="0">
+                <a:pos x="connsiteX4" y="connsiteY4"/>
+              </a:cxn>
+              <a:cxn ang="0">
+                <a:pos x="connsiteX5" y="connsiteY5"/>
+              </a:cxn>
+              <a:cxn ang="0">
+                <a:pos x="connsiteX6" y="connsiteY6"/>
+              </a:cxn>
+              <a:cxn ang="0">
+                <a:pos x="connsiteX7" y="connsiteY7"/>
+              </a:cxn>
+              <a:cxn ang="0">
+                <a:pos x="connsiteX8" y="connsiteY8"/>
+              </a:cxn>
+              <a:cxn ang="0">
+                <a:pos x="connsiteX9" y="connsiteY9"/>
+              </a:cxn>
+              <a:cxn ang="0">
+                <a:pos x="connsiteX10" y="connsiteY10"/>
+              </a:cxn>
+              <a:cxn ang="0">
+                <a:pos x="connsiteX11" y="connsiteY11"/>
+              </a:cxn>
+              <a:cxn ang="0">
+                <a:pos x="connsiteX12" y="connsiteY12"/>
+              </a:cxn>
+              <a:cxn ang="0">
+                <a:pos x="connsiteX13" y="connsiteY13"/>
+              </a:cxn>
+              <a:cxn ang="0">
+                <a:pos x="connsiteX14" y="connsiteY14"/>
+              </a:cxn>
+              <a:cxn ang="0">
+                <a:pos x="connsiteX15" y="connsiteY15"/>
+              </a:cxn>
+              <a:cxn ang="0">
+                <a:pos x="connsiteX16" y="connsiteY16"/>
+              </a:cxn>
+              <a:cxn ang="0">
+                <a:pos x="connsiteX17" y="connsiteY17"/>
+              </a:cxn>
+              <a:cxn ang="0">
+                <a:pos x="connsiteX18" y="connsiteY18"/>
+              </a:cxn>
+              <a:cxn ang="0">
+                <a:pos x="connsiteX19" y="connsiteY19"/>
+              </a:cxn>
+              <a:cxn ang="0">
+                <a:pos x="connsiteX20" y="connsiteY20"/>
+              </a:cxn>
+            </a:cxnLst>
+            <a:rect l="l" t="t" r="r" b="b"/>
+            <a:pathLst>
+              <a:path w="12188825" h="6461584">
+                <a:moveTo>
+                  <a:pt x="5530285" y="0"/>
+                </a:moveTo>
+                <a:cubicBezTo>
+                  <a:pt x="6356796" y="0"/>
+                  <a:pt x="7105062" y="335010"/>
+                  <a:pt x="7646699" y="876648"/>
+                </a:cubicBezTo>
+                <a:lnTo>
+                  <a:pt x="7748409" y="988557"/>
+                </a:lnTo>
+                <a:lnTo>
+                  <a:pt x="7768773" y="955036"/>
+                </a:lnTo>
+                <a:cubicBezTo>
+                  <a:pt x="8059661" y="524465"/>
+                  <a:pt x="8552274" y="241376"/>
+                  <a:pt x="9111006" y="241376"/>
+                </a:cubicBezTo>
+                <a:cubicBezTo>
+                  <a:pt x="9949104" y="241376"/>
+                  <a:pt x="10638434" y="878326"/>
+                  <a:pt x="10721327" y="1694554"/>
+                </a:cubicBezTo>
+                <a:lnTo>
+                  <a:pt x="10724292" y="1753280"/>
+                </a:lnTo>
+                <a:lnTo>
+                  <a:pt x="10848489" y="1737499"/>
+                </a:lnTo>
+                <a:cubicBezTo>
+                  <a:pt x="10968332" y="1725328"/>
+                  <a:pt x="11089931" y="1719093"/>
+                  <a:pt x="11212985" y="1719093"/>
+                </a:cubicBezTo>
+                <a:cubicBezTo>
+                  <a:pt x="11520621" y="1719093"/>
+                  <a:pt x="11819156" y="1758060"/>
+                  <a:pt x="12103923" y="1831327"/>
+                </a:cubicBezTo>
+                <a:lnTo>
+                  <a:pt x="12188825" y="1855437"/>
+                </a:lnTo>
+                <a:lnTo>
+                  <a:pt x="12188825" y="6461584"/>
+                </a:lnTo>
+                <a:lnTo>
+                  <a:pt x="0" y="6461584"/>
+                </a:lnTo>
+                <a:lnTo>
+                  <a:pt x="0" y="5963537"/>
+                </a:lnTo>
+                <a:lnTo>
+                  <a:pt x="0" y="3291371"/>
+                </a:lnTo>
+                <a:lnTo>
+                  <a:pt x="40110" y="3237732"/>
+                </a:lnTo>
+                <a:cubicBezTo>
+                  <a:pt x="440830" y="2752172"/>
+                  <a:pt x="1047267" y="2442676"/>
+                  <a:pt x="1725990" y="2442676"/>
+                </a:cubicBezTo>
+                <a:cubicBezTo>
+                  <a:pt x="1952231" y="2442676"/>
+                  <a:pt x="2170440" y="2477065"/>
+                  <a:pt x="2375676" y="2540900"/>
+                </a:cubicBezTo>
+                <a:lnTo>
+                  <a:pt x="2564435" y="2609986"/>
+                </a:lnTo>
+                <a:lnTo>
+                  <a:pt x="2598030" y="2389857"/>
+                </a:lnTo>
+                <a:cubicBezTo>
+                  <a:pt x="2877122" y="1025969"/>
+                  <a:pt x="4083890" y="0"/>
+                  <a:pt x="5530285" y="0"/>
+                </a:cubicBezTo>
+                <a:close/>
+              </a:path>
+            </a:pathLst>
+          </a:custGeom>
+          <a:solidFill>
+            <a:schemeClr val="bg1"/>
+          </a:solidFill>
+          <a:ln>
+            <a:noFill/>
+            <a:headEnd type="none" w="med" len="med"/>
+            <a:tailEnd type="none" w="med" len="med"/>
+          </a:ln>
+          <a:effectLst/>
+        </p:spPr>
+        <p:style>
+          <a:lnRef idx="1">
+            <a:schemeClr val="accent2"/>
+          </a:lnRef>
+          <a:fillRef idx="3">
+            <a:schemeClr val="accent2"/>
+          </a:fillRef>
+          <a:effectRef idx="2">
+            <a:schemeClr val="accent2"/>
+          </a:effectRef>
+          <a:fontRef idx="minor">
+            <a:schemeClr val="lt1"/>
+          </a:fontRef>
+        </p:style>
+        <p:txBody>
+          <a:bodyPr rot="0" spcFirstLastPara="0" vertOverflow="overflow" horzOverflow="overflow" vert="horz" wrap="square" lIns="182880" tIns="146304" rIns="182880" bIns="146304" numCol="1" spcCol="0" rtlCol="0" fromWordArt="0" anchor="t" anchorCtr="0" forceAA="0" compatLnSpc="1">
+            <a:prstTxWarp prst="textNoShape">
+              <a:avLst/>
+            </a:prstTxWarp>
+            <a:noAutofit/>
+          </a:bodyPr>
+          <a:lstStyle/>
+          <a:p>
+            <a:pPr algn="ctr" defTabSz="932472" fontAlgn="base">
+              <a:lnSpc>
+                <a:spcPct val="90000"/>
+              </a:lnSpc>
+              <a:spcBef>
+                <a:spcPct val="0"/>
+              </a:spcBef>
+              <a:spcAft>
+                <a:spcPct val="0"/>
+              </a:spcAft>
+            </a:pPr>
+            <a:endParaRPr lang="en-US" sz="2400" dirty="0" err="1" smtClean="0">
+              <a:gradFill>
+                <a:gsLst>
+                  <a:gs pos="0">
+                    <a:srgbClr val="FFFFFF"/>
+                  </a:gs>
+                  <a:gs pos="100000">
+                    <a:srgbClr val="FFFFFF"/>
+                  </a:gs>
+                </a:gsLst>
+                <a:lin ang="5400000" scaled="0"/>
+              </a:gradFill>
+              <a:ea typeface="Segoe UI" pitchFamily="34" charset="0"/>
+              <a:cs typeface="Segoe UI" pitchFamily="34" charset="0"/>
+            </a:endParaRPr>
+          </a:p>
+        </p:txBody>
+      </p:sp>
+      <p:sp>
+        <p:nvSpPr>
+          <p:cNvPr id="7" name="Title 6"/>
+          <p:cNvSpPr>
+            <a:spLocks noGrp="1"/>
+          </p:cNvSpPr>
+          <p:nvPr>
+            <p:ph type="title"/>
+          </p:nvPr>
+        </p:nvSpPr>
+        <p:spPr>
+          <a:xfrm>
+            <a:off x="560799" y="457202"/>
+            <a:ext cx="4211227" cy="826850"/>
+          </a:xfrm>
+        </p:spPr>
+        <p:txBody>
+          <a:bodyPr/>
+          <a:lstStyle/>
+          <a:p>
+            <a:r>
+              <a:rPr lang="en-US" dirty="0" smtClean="0"/>
+              <a:t>Fork the Content</a:t>
+            </a:r>
+            <a:endParaRPr lang="en-US" dirty="0"/>
+          </a:p>
+        </p:txBody>
+      </p:sp>
+      <p:sp>
+        <p:nvSpPr>
+          <p:cNvPr id="2" name="Content Placeholder 1"/>
+          <p:cNvSpPr>
+            <a:spLocks noGrp="1"/>
+          </p:cNvSpPr>
+          <p:nvPr>
+            <p:ph idx="1"/>
+          </p:nvPr>
+        </p:nvSpPr>
+        <p:spPr>
+          <a:xfrm>
+            <a:off x="1165665" y="3822971"/>
+            <a:ext cx="9184566" cy="2475826"/>
+          </a:xfrm>
+        </p:spPr>
+        <p:txBody>
+          <a:bodyPr>
+            <a:noAutofit/>
+          </a:bodyPr>
+          <a:lstStyle/>
+          <a:p>
+            <a:pPr marL="0" indent="0">
+              <a:buNone/>
+            </a:pPr>
+            <a:r>
+              <a:rPr lang="en-US" sz="4400" dirty="0" smtClean="0">
+                <a:solidFill>
+                  <a:sysClr val="windowText" lastClr="000000"/>
+                </a:solidFill>
+              </a:rPr>
+              <a:t>You can also fork the content </a:t>
+            </a:r>
+            <a:r>
+              <a:rPr lang="en-US" sz="4400" dirty="0">
+                <a:solidFill>
+                  <a:sysClr val="windowText" lastClr="000000"/>
+                </a:solidFill>
+              </a:rPr>
+              <a:t>from GitHub:</a:t>
+            </a:r>
+            <a:br>
+              <a:rPr lang="en-US" sz="4400" dirty="0">
+                <a:solidFill>
+                  <a:sysClr val="windowText" lastClr="000000"/>
+                </a:solidFill>
+              </a:rPr>
+            </a:br>
+            <a:r>
+              <a:rPr lang="en-US" sz="4400" dirty="0">
+                <a:solidFill>
+                  <a:sysClr val="windowText" lastClr="000000"/>
+                </a:solidFill>
+              </a:rPr>
+              <a:t/>
+            </a:r>
+            <a:br>
+              <a:rPr lang="en-US" sz="4400" dirty="0">
+                <a:solidFill>
+                  <a:sysClr val="windowText" lastClr="000000"/>
+                </a:solidFill>
+              </a:rPr>
+            </a:br>
+            <a:r>
+              <a:rPr lang="en-US" sz="4400" dirty="0">
+                <a:solidFill>
+                  <a:sysClr val="windowText" lastClr="000000"/>
+                </a:solidFill>
+              </a:rPr>
+              <a:t>http://</a:t>
+            </a:r>
+            <a:r>
+              <a:rPr lang="en-US" sz="4400" dirty="0" smtClean="0">
+                <a:solidFill>
+                  <a:sysClr val="windowText" lastClr="000000"/>
+                </a:solidFill>
+              </a:rPr>
+              <a:t>aka.ms/CloudDevCamp14Repo</a:t>
+            </a:r>
+            <a:endParaRPr lang="en-US" sz="4400" dirty="0">
+              <a:solidFill>
+                <a:sysClr val="windowText" lastClr="000000"/>
+              </a:solidFill>
+            </a:endParaRPr>
+          </a:p>
+        </p:txBody>
+      </p:sp>
+    </p:spTree>
+    <p:extLst>
+      <p:ext uri="{BB962C8B-B14F-4D97-AF65-F5344CB8AC3E}">
+        <p14:creationId xmlns:p14="http://schemas.microsoft.com/office/powerpoint/2010/main" val="4156009393"/>
+      </p:ext>
+    </p:extLst>
+  </p:cSld>
+  <p:clrMapOvr>
+    <a:masterClrMapping/>
+  </p:clrMapOvr>
+  <mc:AlternateContent xmlns:mc="http://schemas.openxmlformats.org/markup-compatibility/2006">
+    <mc:Choice xmlns:p14="http://schemas.microsoft.com/office/powerpoint/2010/main" Requires="p14">
+      <p:transition spd="slow" p14:dur="2000" advTm="15000"/>
+    </mc:Choice>
+    <mc:Fallback>
+      <p:transition spd="slow" advTm="15000"/>
+    </mc:Fallback>
+  </mc:AlternateContent>
   <p:timing>
     <p:tnLst>
       <p:par>
